--- a/tutorials/pipelines/tut_a_fun_bud/vector files/fig06_medium.pptx
+++ b/tutorials/pipelines/tut_a_fun_bud/vector files/fig06_medium.pptx
@@ -2975,10 +2975,10 @@
       </p:grpSpPr>
       <p:grpSp>
         <p:nvGrpSpPr>
-          <p:cNvPr id="12" name="Group 11">
+          <p:cNvPr id="14" name="Group 13">
             <a:extLst>
               <a:ext uri="{FF2B5EF4-FFF2-40B4-BE49-F238E27FC236}">
-                <a16:creationId xmlns:a16="http://schemas.microsoft.com/office/drawing/2014/main" id="{12522898-40CB-ECE2-7B80-0548561647C3}"/>
+                <a16:creationId xmlns:a16="http://schemas.microsoft.com/office/drawing/2014/main" id="{4E812347-71BA-C20B-AD73-877754B02C98}"/>
               </a:ext>
             </a:extLst>
           </p:cNvPr>
@@ -2989,18 +2989,18 @@
         </p:nvGrpSpPr>
         <p:grpSpPr>
           <a:xfrm>
-            <a:off x="-4550" y="0"/>
-            <a:ext cx="4271750" cy="2736531"/>
-            <a:chOff x="593635" y="0"/>
-            <a:chExt cx="8386841" cy="5486400"/>
+            <a:off x="0" y="-2541"/>
+            <a:ext cx="4267200" cy="2678639"/>
+            <a:chOff x="0" y="0"/>
+            <a:chExt cx="3966728" cy="2490023"/>
           </a:xfrm>
         </p:grpSpPr>
         <p:pic>
           <p:nvPicPr>
-            <p:cNvPr id="10" name="Picture 9">
+            <p:cNvPr id="11" name="Picture 10">
               <a:extLst>
                 <a:ext uri="{FF2B5EF4-FFF2-40B4-BE49-F238E27FC236}">
-                  <a16:creationId xmlns:a16="http://schemas.microsoft.com/office/drawing/2014/main" id="{4FD5FB14-E9FC-C7B7-F5AC-7E825E019E91}"/>
+                  <a16:creationId xmlns:a16="http://schemas.microsoft.com/office/drawing/2014/main" id="{039E2803-ABA6-9A89-E3A6-02ED3FF82CAD}"/>
                 </a:ext>
               </a:extLst>
             </p:cNvPr>
@@ -3017,8 +3017,8 @@
           </p:blipFill>
           <p:spPr>
             <a:xfrm>
-              <a:off x="2754488" y="0"/>
-              <a:ext cx="6225988" cy="5486400"/>
+              <a:off x="978623" y="90"/>
+              <a:ext cx="2988105" cy="2472915"/>
             </a:xfrm>
             <a:prstGeom prst="rect">
               <a:avLst/>
@@ -3027,10 +3027,10 @@
         </p:pic>
         <p:pic>
           <p:nvPicPr>
-            <p:cNvPr id="4" name="Picture 3">
+            <p:cNvPr id="5" name="Picture 4">
               <a:extLst>
                 <a:ext uri="{FF2B5EF4-FFF2-40B4-BE49-F238E27FC236}">
-                  <a16:creationId xmlns:a16="http://schemas.microsoft.com/office/drawing/2014/main" id="{923EAB3F-FF24-DF41-EF63-43DC83A81286}"/>
+                  <a16:creationId xmlns:a16="http://schemas.microsoft.com/office/drawing/2014/main" id="{0C520848-52D6-CBDD-B751-56CADCF09F28}"/>
                 </a:ext>
               </a:extLst>
             </p:cNvPr>
@@ -3047,8 +3047,8 @@
           </p:blipFill>
           <p:spPr>
             <a:xfrm>
-              <a:off x="593635" y="0"/>
-              <a:ext cx="2173045" cy="5486400"/>
+              <a:off x="0" y="0"/>
+              <a:ext cx="986244" cy="2490023"/>
             </a:xfrm>
             <a:prstGeom prst="rect">
               <a:avLst/>
@@ -3070,8 +3070,8 @@
         </p:nvSpPr>
         <p:spPr>
           <a:xfrm>
-            <a:off x="41910" y="1590039"/>
-            <a:ext cx="847090" cy="95251"/>
+            <a:off x="46990" y="1552031"/>
+            <a:ext cx="822960" cy="95251"/>
           </a:xfrm>
           <a:prstGeom prst="rect">
             <a:avLst/>
@@ -3125,7 +3125,7 @@
         </p:nvSpPr>
         <p:spPr>
           <a:xfrm>
-            <a:off x="763000" y="1395282"/>
+            <a:off x="740293" y="1336778"/>
             <a:ext cx="252000" cy="252000"/>
           </a:xfrm>
           <a:prstGeom prst="ellipse">
@@ -3192,7 +3192,7 @@
         </p:nvSpPr>
         <p:spPr>
           <a:xfrm>
-            <a:off x="1742510" y="972509"/>
+            <a:off x="1668240" y="898531"/>
             <a:ext cx="252000" cy="252000"/>
           </a:xfrm>
           <a:prstGeom prst="ellipse">
@@ -3257,8 +3257,8 @@
         </p:nvSpPr>
         <p:spPr>
           <a:xfrm>
-            <a:off x="1121409" y="1166813"/>
-            <a:ext cx="3090546" cy="161925"/>
+            <a:off x="1073148" y="1069569"/>
+            <a:ext cx="3134361" cy="161925"/>
           </a:xfrm>
           <a:prstGeom prst="rect">
             <a:avLst/>
